--- a/아두이노 경진대회 Team MyWay ppt.pptx
+++ b/아두이노 경진대회 Team MyWay ppt.pptx
@@ -18,10 +18,10 @@
     <p:sldId id="259" r:id="rId6"/>
     <p:sldId id="271" r:id="rId7"/>
     <p:sldId id="282" r:id="rId8"/>
-    <p:sldId id="275" r:id="rId9"/>
-    <p:sldId id="277" r:id="rId10"/>
-    <p:sldId id="278" r:id="rId11"/>
-    <p:sldId id="279" r:id="rId12"/>
+    <p:sldId id="283" r:id="rId9"/>
+    <p:sldId id="284" r:id="rId10"/>
+    <p:sldId id="285" r:id="rId11"/>
+    <p:sldId id="286" r:id="rId12"/>
     <p:sldId id="276" r:id="rId13"/>
     <p:sldId id="281" r:id="rId14"/>
   </p:sldIdLst>
@@ -124,7 +124,7 @@
   </p:defaultTextStyle>
   <p:extLst>
     <p:ext uri="{EFAFB233-063F-42B5-8137-9DF3F51BA10A}">
-      <p15:sldGuideLst xmlns:p15="http://schemas.microsoft.com/office/powerpoint/2012/main">
+      <p15:sldGuideLst xmlns:p15="http://schemas.microsoft.com/office/powerpoint/2012/main" xmlns="">
         <p15:guide id="1" orient="horz" pos="2160" userDrawn="1">
           <p15:clr>
             <a:srgbClr val="A4A3A4"/>
@@ -138,7 +138,7 @@
       </p15:sldGuideLst>
     </p:ext>
     <p:ext uri="{2D200454-40CA-4A62-9FC3-DE9A4176ACB9}">
-      <p15:notesGuideLst xmlns:p15="http://schemas.microsoft.com/office/powerpoint/2012/main"/>
+      <p15:notesGuideLst xmlns:p15="http://schemas.microsoft.com/office/powerpoint/2012/main" xmlns=""/>
     </p:ext>
   </p:extLst>
 </p:presentation>
@@ -226,7 +226,7 @@
           <a:p>
             <a:fld id="{C9DAD422-0CE2-7345-9C9C-5AE431B01D98}" type="datetimeFigureOut">
               <a:rPr lang="en-US" altLang="ko-KR" smtClean="0"/>
-              <a:t>6/8/2017</a:t>
+              <a:t>6/20/2017</a:t>
             </a:fld>
             <a:endParaRPr lang="ko-KR" altLang="en-US"/>
           </a:p>
@@ -391,7 +391,7 @@
           <a:p>
             <a:fld id="{9F5593C2-BB06-FE4C-A097-5F24D72EFBBA}" type="datetimeFigureOut">
               <a:rPr lang="en-US" altLang="ko-KR" smtClean="0"/>
-              <a:t>6/8/2017</a:t>
+              <a:t>6/20/2017</a:t>
             </a:fld>
             <a:endParaRPr lang="ko-KR" altLang="en-US"/>
           </a:p>
@@ -1219,7 +1219,7 @@
           <a:lstStyle/>
           <a:p>
             <a:r>
-              <a:rPr lang="en-US" altLang="ko-KR" dirty="0" smtClean="0"/>
+              <a:rPr lang="en-US" altLang="ko-KR" smtClean="0"/>
               <a:t>11.64 14</a:t>
             </a:r>
             <a:endParaRPr lang="ko-KR" altLang="en-US" dirty="0"/>
@@ -1252,7 +1252,7 @@
     </p:spTree>
     <p:extLst>
       <p:ext uri="{BB962C8B-B14F-4D97-AF65-F5344CB8AC3E}">
-        <p14:creationId xmlns:p14="http://schemas.microsoft.com/office/powerpoint/2010/main" val="2417745027"/>
+        <p14:creationId xmlns:p14="http://schemas.microsoft.com/office/powerpoint/2010/main" val="2282491897"/>
       </p:ext>
     </p:extLst>
   </p:cSld>
@@ -1340,7 +1340,7 @@
     </p:spTree>
     <p:extLst>
       <p:ext uri="{BB962C8B-B14F-4D97-AF65-F5344CB8AC3E}">
-        <p14:creationId xmlns:p14="http://schemas.microsoft.com/office/powerpoint/2010/main" val="2417745027"/>
+        <p14:creationId xmlns:p14="http://schemas.microsoft.com/office/powerpoint/2010/main" val="2282491897"/>
       </p:ext>
     </p:extLst>
   </p:cSld>
@@ -1428,7 +1428,7 @@
     </p:spTree>
     <p:extLst>
       <p:ext uri="{BB962C8B-B14F-4D97-AF65-F5344CB8AC3E}">
-        <p14:creationId xmlns:p14="http://schemas.microsoft.com/office/powerpoint/2010/main" val="2417745027"/>
+        <p14:creationId xmlns:p14="http://schemas.microsoft.com/office/powerpoint/2010/main" val="2282491897"/>
       </p:ext>
     </p:extLst>
   </p:cSld>
@@ -1516,7 +1516,7 @@
     </p:spTree>
     <p:extLst>
       <p:ext uri="{BB962C8B-B14F-4D97-AF65-F5344CB8AC3E}">
-        <p14:creationId xmlns:p14="http://schemas.microsoft.com/office/powerpoint/2010/main" val="2417745027"/>
+        <p14:creationId xmlns:p14="http://schemas.microsoft.com/office/powerpoint/2010/main" val="2282491897"/>
       </p:ext>
     </p:extLst>
   </p:cSld>
@@ -2498,7 +2498,7 @@
   </p:clrMapOvr>
   <p:extLst mod="1">
     <p:ext uri="{DCECCB84-F9BA-43D5-87BE-67443E8EF086}">
-      <p15:sldGuideLst xmlns:p15="http://schemas.microsoft.com/office/powerpoint/2012/main">
+      <p15:sldGuideLst xmlns:p15="http://schemas.microsoft.com/office/powerpoint/2012/main" xmlns="">
         <p15:guide id="1" orient="horz" pos="2160" userDrawn="1">
           <p15:clr>
             <a:srgbClr val="FBAE40"/>
@@ -3323,7 +3323,7 @@
   </p:clrMapOvr>
   <p:extLst mod="1">
     <p:ext uri="{DCECCB84-F9BA-43D5-87BE-67443E8EF086}">
-      <p15:sldGuideLst xmlns:p15="http://schemas.microsoft.com/office/powerpoint/2012/main">
+      <p15:sldGuideLst xmlns:p15="http://schemas.microsoft.com/office/powerpoint/2012/main" xmlns="">
         <p15:guide id="1" orient="horz" pos="2160">
           <p15:clr>
             <a:srgbClr val="FBAE40"/>
@@ -3503,7 +3503,7 @@
             <a:fld id="{79F33ED0-BB53-40D6-86C9-526C8F33B5AF}" type="datetimeFigureOut">
               <a:rPr lang="ko-KR" altLang="en-US" smtClean="0"/>
               <a:pPr/>
-              <a:t>2017-06-08</a:t>
+              <a:t>2017-06-20</a:t>
             </a:fld>
             <a:endParaRPr lang="ko-KR" altLang="en-US"/>
           </a:p>
@@ -4451,8 +4451,8 @@
         </p:nvSpPr>
         <p:spPr>
           <a:xfrm>
-            <a:off x="6257877" y="1582852"/>
-            <a:ext cx="1832553" cy="461665"/>
+            <a:off x="5702387" y="1582852"/>
+            <a:ext cx="1792478" cy="461665"/>
           </a:xfrm>
           <a:prstGeom prst="rect">
             <a:avLst/>
@@ -4466,18 +4466,91 @@
           <a:lstStyle/>
           <a:p>
             <a:r>
-              <a:rPr lang="ko-KR" altLang="en-US" sz="2400" b="1" dirty="0" smtClean="0"/>
+              <a:rPr lang="ko-KR" altLang="en-US" sz="2400" b="1" dirty="0"/>
               <a:t>리드 스위치</a:t>
             </a:r>
             <a:endParaRPr lang="ko-KR" altLang="en-US" sz="2400" b="1" dirty="0"/>
+          </a:p>
+        </p:txBody>
+      </p:sp>
+      <p:sp>
+        <p:nvSpPr>
+          <p:cNvPr id="21" name="TextBox 20"/>
+          <p:cNvSpPr txBox="1"/>
+          <p:nvPr/>
+        </p:nvSpPr>
+        <p:spPr>
+          <a:xfrm>
+            <a:off x="5700471" y="2378079"/>
+            <a:ext cx="3276859" cy="1938992"/>
+          </a:xfrm>
+          <a:prstGeom prst="rect">
+            <a:avLst/>
+          </a:prstGeom>
+          <a:noFill/>
+        </p:spPr>
+        <p:txBody>
+          <a:bodyPr wrap="none" rtlCol="0">
+            <a:spAutoFit/>
+          </a:bodyPr>
+          <a:lstStyle/>
+          <a:p>
+            <a:r>
+              <a:rPr lang="ko-KR" altLang="en-US" sz="2000" b="1" dirty="0"/>
+              <a:t>유모차 바퀴 위 프레임에 </a:t>
+            </a:r>
+            <a:endParaRPr lang="en-US" altLang="ko-KR" sz="2000" b="1" dirty="0"/>
+          </a:p>
+          <a:p>
+            <a:r>
+              <a:rPr lang="ko-KR" altLang="en-US" sz="2000" b="1" dirty="0" smtClean="0"/>
+              <a:t>장착하였다</a:t>
+            </a:r>
+            <a:r>
+              <a:rPr lang="en-US" altLang="ko-KR" sz="2000" b="1" dirty="0" smtClean="0"/>
+              <a:t>.</a:t>
+            </a:r>
+            <a:endParaRPr lang="en-US" altLang="ko-KR" sz="2000" b="1" dirty="0"/>
+          </a:p>
+          <a:p>
+            <a:endParaRPr lang="en-US" altLang="ko-KR" sz="2000" b="1" dirty="0"/>
+          </a:p>
+          <a:p>
+            <a:r>
+              <a:rPr lang="ko-KR" altLang="en-US" sz="2000" b="1" dirty="0"/>
+              <a:t>바퀴에 부착한 자석으로 </a:t>
+            </a:r>
+            <a:endParaRPr lang="en-US" altLang="ko-KR" sz="2000" b="1" dirty="0"/>
+          </a:p>
+          <a:p>
+            <a:r>
+              <a:rPr lang="ko-KR" altLang="en-US" sz="2000" b="1" dirty="0"/>
+              <a:t>바퀴 회전 시 마다 신호를</a:t>
+            </a:r>
+            <a:endParaRPr lang="en-US" altLang="ko-KR" sz="2000" b="1" dirty="0"/>
+          </a:p>
+          <a:p>
+            <a:r>
+              <a:rPr lang="ko-KR" altLang="en-US" sz="2000" b="1" dirty="0"/>
+              <a:t>받아 회전 </a:t>
+            </a:r>
+            <a:r>
+              <a:rPr lang="ko-KR" altLang="en-US" sz="2000" b="1" dirty="0" smtClean="0"/>
+              <a:t>속도를 측정한다</a:t>
+            </a:r>
+            <a:r>
+              <a:rPr lang="en-US" altLang="ko-KR" sz="2000" b="1" dirty="0" smtClean="0"/>
+              <a:t>.</a:t>
+            </a:r>
+            <a:endParaRPr lang="en-US" altLang="ko-KR" sz="2000" b="1" dirty="0"/>
           </a:p>
         </p:txBody>
       </p:sp>
       <p:pic>
         <p:nvPicPr>
-          <p:cNvPr id="3" name="그림 2"/>
-          <p:cNvPicPr>
-            <a:picLocks noChangeAspect="1"/>
+          <p:cNvPr id="9" name="그림 8"/>
+          <p:cNvPicPr preferRelativeResize="0">
+            <a:picLocks/>
           </p:cNvPicPr>
           <p:nvPr/>
         </p:nvPicPr>
@@ -4495,174 +4568,8 @@
         </p:blipFill>
         <p:spPr>
           <a:xfrm>
-            <a:off x="1063878" y="1577945"/>
-            <a:ext cx="5038255" cy="4191676"/>
-          </a:xfrm>
-          <a:prstGeom prst="rect">
-            <a:avLst/>
-          </a:prstGeom>
-        </p:spPr>
-      </p:pic>
-      <p:sp>
-        <p:nvSpPr>
-          <p:cNvPr id="21" name="TextBox 20"/>
-          <p:cNvSpPr txBox="1"/>
-          <p:nvPr/>
-        </p:nvSpPr>
-        <p:spPr>
-          <a:xfrm>
-            <a:off x="6102133" y="2378079"/>
-            <a:ext cx="3185487" cy="2862322"/>
-          </a:xfrm>
-          <a:prstGeom prst="rect">
-            <a:avLst/>
-          </a:prstGeom>
-          <a:noFill/>
-        </p:spPr>
-        <p:txBody>
-          <a:bodyPr wrap="none" rtlCol="0">
-            <a:spAutoFit/>
-          </a:bodyPr>
-          <a:lstStyle/>
-          <a:p>
-            <a:r>
-              <a:rPr lang="ko-KR" altLang="en-US" sz="2000" b="1" dirty="0" smtClean="0"/>
-              <a:t>유모차 바퀴 위 프레임에 </a:t>
-            </a:r>
-            <a:endParaRPr lang="en-US" altLang="ko-KR" sz="2000" b="1" dirty="0" smtClean="0"/>
-          </a:p>
-          <a:p>
-            <a:r>
-              <a:rPr lang="ko-KR" altLang="en-US" sz="2000" b="1" dirty="0" smtClean="0"/>
-              <a:t>장착</a:t>
-            </a:r>
-            <a:endParaRPr lang="en-US" altLang="ko-KR" sz="2000" b="1" dirty="0" smtClean="0"/>
-          </a:p>
-          <a:p>
-            <a:endParaRPr lang="en-US" altLang="ko-KR" sz="2000" b="1" dirty="0" smtClean="0"/>
-          </a:p>
-          <a:p>
-            <a:r>
-              <a:rPr lang="ko-KR" altLang="en-US" sz="2000" b="1" dirty="0" smtClean="0"/>
-              <a:t>바퀴에 부착한 자석으로 </a:t>
-            </a:r>
-            <a:endParaRPr lang="en-US" altLang="ko-KR" sz="2000" b="1" dirty="0" smtClean="0"/>
-          </a:p>
-          <a:p>
-            <a:r>
-              <a:rPr lang="ko-KR" altLang="en-US" sz="2000" b="1" dirty="0" smtClean="0"/>
-              <a:t>바퀴 회전 시 마다 신호를</a:t>
-            </a:r>
-            <a:endParaRPr lang="en-US" altLang="ko-KR" sz="2000" b="1" dirty="0" smtClean="0"/>
-          </a:p>
-          <a:p>
-            <a:r>
-              <a:rPr lang="ko-KR" altLang="en-US" sz="2000" b="1" dirty="0" smtClean="0"/>
-              <a:t>받아 회전 속도를 받아</a:t>
-            </a:r>
-            <a:endParaRPr lang="en-US" altLang="ko-KR" sz="2000" b="1" dirty="0" smtClean="0"/>
-          </a:p>
-          <a:p>
-            <a:r>
-              <a:rPr lang="en-US" altLang="ko-KR" sz="2000" b="1" dirty="0" smtClean="0"/>
-              <a:t>m/h</a:t>
-            </a:r>
-            <a:r>
-              <a:rPr lang="ko-KR" altLang="en-US" sz="2000" b="1" dirty="0" smtClean="0"/>
-              <a:t>로 속도를 측정해</a:t>
-            </a:r>
-            <a:endParaRPr lang="en-US" altLang="ko-KR" sz="2000" b="1" dirty="0" smtClean="0"/>
-          </a:p>
-          <a:p>
-            <a:r>
-              <a:rPr lang="ko-KR" altLang="en-US" sz="2000" b="1" dirty="0" err="1" smtClean="0"/>
-              <a:t>블루투스로</a:t>
-            </a:r>
-            <a:r>
-              <a:rPr lang="ko-KR" altLang="en-US" sz="2000" b="1" dirty="0" smtClean="0"/>
-              <a:t> </a:t>
-            </a:r>
-            <a:r>
-              <a:rPr lang="ko-KR" altLang="en-US" sz="2000" b="1" dirty="0" err="1" smtClean="0"/>
-              <a:t>스마트폰</a:t>
-            </a:r>
-            <a:r>
-              <a:rPr lang="ko-KR" altLang="en-US" sz="2000" b="1" dirty="0" smtClean="0"/>
-              <a:t> </a:t>
-            </a:r>
-            <a:r>
-              <a:rPr lang="ko-KR" altLang="en-US" sz="2000" b="1" dirty="0" err="1" smtClean="0"/>
-              <a:t>어플</a:t>
-            </a:r>
-            <a:endParaRPr lang="en-US" altLang="ko-KR" sz="2000" b="1" dirty="0" smtClean="0"/>
-          </a:p>
-          <a:p>
-            <a:r>
-              <a:rPr lang="ko-KR" altLang="en-US" sz="2000" b="1" dirty="0" err="1" smtClean="0"/>
-              <a:t>로</a:t>
-            </a:r>
-            <a:r>
-              <a:rPr lang="ko-KR" altLang="en-US" sz="2000" b="1" dirty="0" smtClean="0"/>
-              <a:t> 전송</a:t>
-            </a:r>
-            <a:endParaRPr lang="en-US" altLang="ko-KR" sz="2000" b="1" dirty="0" smtClean="0"/>
-          </a:p>
-        </p:txBody>
-      </p:sp>
-      <p:pic>
-        <p:nvPicPr>
-          <p:cNvPr id="4" name="그림 3"/>
-          <p:cNvPicPr preferRelativeResize="0">
-            <a:picLocks/>
-          </p:cNvPicPr>
-          <p:nvPr/>
-        </p:nvPicPr>
-        <p:blipFill>
-          <a:blip r:embed="rId4">
-            <a:extLst>
-              <a:ext uri="{28A0092B-C50C-407E-A947-70E740481C1C}">
-                <a14:useLocalDpi xmlns:a14="http://schemas.microsoft.com/office/drawing/2010/main" val="0"/>
-              </a:ext>
-            </a:extLst>
-          </a:blip>
-          <a:stretch>
-            <a:fillRect/>
-          </a:stretch>
-        </p:blipFill>
-        <p:spPr>
-          <a:xfrm>
-            <a:off x="1063878" y="1582852"/>
-            <a:ext cx="5040000" cy="4190400"/>
-          </a:xfrm>
-          <a:prstGeom prst="rect">
-            <a:avLst/>
-          </a:prstGeom>
-        </p:spPr>
-      </p:pic>
-      <p:pic>
-        <p:nvPicPr>
-          <p:cNvPr id="5" name="그림 4"/>
-          <p:cNvPicPr preferRelativeResize="0">
-            <a:picLocks/>
-          </p:cNvPicPr>
-          <p:nvPr/>
-        </p:nvPicPr>
-        <p:blipFill>
-          <a:blip r:embed="rId5">
-            <a:extLst>
-              <a:ext uri="{28A0092B-C50C-407E-A947-70E740481C1C}">
-                <a14:useLocalDpi xmlns:a14="http://schemas.microsoft.com/office/drawing/2010/main" val="0"/>
-              </a:ext>
-            </a:extLst>
-          </a:blip>
-          <a:stretch>
-            <a:fillRect/>
-          </a:stretch>
-        </p:blipFill>
-        <p:spPr>
-          <a:xfrm>
-            <a:off x="1063878" y="1577945"/>
-            <a:ext cx="5040000" cy="4194000"/>
+            <a:off x="1020471" y="1577945"/>
+            <a:ext cx="4680000" cy="3960000"/>
           </a:xfrm>
           <a:prstGeom prst="rect">
             <a:avLst/>
@@ -4672,7 +4579,7 @@
     </p:spTree>
     <p:extLst>
       <p:ext uri="{BB962C8B-B14F-4D97-AF65-F5344CB8AC3E}">
-        <p14:creationId xmlns:p14="http://schemas.microsoft.com/office/powerpoint/2010/main" val="3924828566"/>
+        <p14:creationId xmlns:p14="http://schemas.microsoft.com/office/powerpoint/2010/main" val="4160379335"/>
       </p:ext>
     </p:extLst>
   </p:cSld>
@@ -4840,8 +4747,8 @@
         </p:nvSpPr>
         <p:spPr>
           <a:xfrm>
-            <a:off x="6257877" y="1582852"/>
-            <a:ext cx="1832553" cy="461665"/>
+            <a:off x="5702387" y="1582852"/>
+            <a:ext cx="1792478" cy="461665"/>
           </a:xfrm>
           <a:prstGeom prst="rect">
             <a:avLst/>
@@ -4855,22 +4762,81 @@
           <a:lstStyle/>
           <a:p>
             <a:r>
-              <a:rPr lang="ko-KR" altLang="en-US" sz="2400" b="1" dirty="0" err="1" smtClean="0"/>
+              <a:rPr lang="ko-KR" altLang="en-US" sz="2400" b="1" dirty="0" err="1"/>
               <a:t>온습도</a:t>
             </a:r>
             <a:r>
-              <a:rPr lang="ko-KR" altLang="en-US" sz="2400" b="1" dirty="0" smtClean="0"/>
+              <a:rPr lang="ko-KR" altLang="en-US" sz="2400" b="1" dirty="0"/>
               <a:t> 센서</a:t>
             </a:r>
             <a:endParaRPr lang="ko-KR" altLang="en-US" sz="2400" b="1" dirty="0"/>
+          </a:p>
+        </p:txBody>
+      </p:sp>
+      <p:sp>
+        <p:nvSpPr>
+          <p:cNvPr id="21" name="TextBox 20"/>
+          <p:cNvSpPr txBox="1"/>
+          <p:nvPr/>
+        </p:nvSpPr>
+        <p:spPr>
+          <a:xfrm>
+            <a:off x="5700471" y="2378079"/>
+            <a:ext cx="2951449" cy="1323439"/>
+          </a:xfrm>
+          <a:prstGeom prst="rect">
+            <a:avLst/>
+          </a:prstGeom>
+          <a:noFill/>
+        </p:spPr>
+        <p:txBody>
+          <a:bodyPr wrap="none" rtlCol="0">
+            <a:spAutoFit/>
+          </a:bodyPr>
+          <a:lstStyle/>
+          <a:p>
+            <a:r>
+              <a:rPr lang="ko-KR" altLang="en-US" sz="2000" b="1" dirty="0"/>
+              <a:t>유모차 내부 천장에 부착</a:t>
+            </a:r>
+            <a:endParaRPr lang="en-US" altLang="ko-KR" sz="2000" b="1" dirty="0"/>
+          </a:p>
+          <a:p>
+            <a:endParaRPr lang="en-US" altLang="ko-KR" sz="2000" b="1" dirty="0"/>
+          </a:p>
+          <a:p>
+            <a:r>
+              <a:rPr lang="ko-KR" altLang="en-US" sz="2000" b="1" dirty="0"/>
+              <a:t>유모차 내부 </a:t>
+            </a:r>
+            <a:r>
+              <a:rPr lang="ko-KR" altLang="en-US" sz="2000" b="1" dirty="0" err="1"/>
+              <a:t>온습도를</a:t>
+            </a:r>
+            <a:r>
+              <a:rPr lang="ko-KR" altLang="en-US" sz="2000" b="1" dirty="0"/>
+              <a:t> </a:t>
+            </a:r>
+            <a:endParaRPr lang="en-US" altLang="ko-KR" sz="2000" b="1" dirty="0"/>
+          </a:p>
+          <a:p>
+            <a:r>
+              <a:rPr lang="ko-KR" altLang="en-US" sz="2000" b="1" dirty="0" smtClean="0"/>
+              <a:t>측정한다</a:t>
+            </a:r>
+            <a:r>
+              <a:rPr lang="en-US" altLang="ko-KR" sz="2000" b="1" dirty="0" smtClean="0"/>
+              <a:t>.</a:t>
+            </a:r>
+            <a:endParaRPr lang="en-US" altLang="ko-KR" sz="2000" b="1" dirty="0"/>
           </a:p>
         </p:txBody>
       </p:sp>
       <p:pic>
         <p:nvPicPr>
-          <p:cNvPr id="3" name="그림 2"/>
-          <p:cNvPicPr>
-            <a:picLocks noChangeAspect="1"/>
+          <p:cNvPr id="10" name="그림 9"/>
+          <p:cNvPicPr preferRelativeResize="0">
+            <a:picLocks/>
           </p:cNvPicPr>
           <p:nvPr/>
         </p:nvPicPr>
@@ -4888,176 +4854,8 @@
         </p:blipFill>
         <p:spPr>
           <a:xfrm>
-            <a:off x="1063878" y="1577945"/>
-            <a:ext cx="5038255" cy="4191676"/>
-          </a:xfrm>
-          <a:prstGeom prst="rect">
-            <a:avLst/>
-          </a:prstGeom>
-        </p:spPr>
-      </p:pic>
-      <p:sp>
-        <p:nvSpPr>
-          <p:cNvPr id="21" name="TextBox 20"/>
-          <p:cNvSpPr txBox="1"/>
-          <p:nvPr/>
-        </p:nvSpPr>
-        <p:spPr>
-          <a:xfrm>
-            <a:off x="6102133" y="2378079"/>
-            <a:ext cx="3018775" cy="1631216"/>
-          </a:xfrm>
-          <a:prstGeom prst="rect">
-            <a:avLst/>
-          </a:prstGeom>
-          <a:noFill/>
-        </p:spPr>
-        <p:txBody>
-          <a:bodyPr wrap="none" rtlCol="0">
-            <a:spAutoFit/>
-          </a:bodyPr>
-          <a:lstStyle/>
-          <a:p>
-            <a:r>
-              <a:rPr lang="ko-KR" altLang="en-US" sz="2000" b="1" dirty="0" smtClean="0"/>
-              <a:t>유모차 내부 천장에 부착</a:t>
-            </a:r>
-            <a:endParaRPr lang="en-US" altLang="ko-KR" sz="2000" b="1" dirty="0" smtClean="0"/>
-          </a:p>
-          <a:p>
-            <a:endParaRPr lang="en-US" altLang="ko-KR" sz="2000" b="1" dirty="0" smtClean="0"/>
-          </a:p>
-          <a:p>
-            <a:r>
-              <a:rPr lang="ko-KR" altLang="en-US" sz="2000" b="1" dirty="0" smtClean="0"/>
-              <a:t>유모차 내부 </a:t>
-            </a:r>
-            <a:r>
-              <a:rPr lang="ko-KR" altLang="en-US" sz="2000" b="1" dirty="0" err="1" smtClean="0"/>
-              <a:t>온습도를</a:t>
-            </a:r>
-            <a:r>
-              <a:rPr lang="ko-KR" altLang="en-US" sz="2000" b="1" dirty="0" smtClean="0"/>
-              <a:t> </a:t>
-            </a:r>
-            <a:endParaRPr lang="en-US" altLang="ko-KR" sz="2000" b="1" dirty="0"/>
-          </a:p>
-          <a:p>
-            <a:r>
-              <a:rPr lang="ko-KR" altLang="en-US" sz="2000" b="1" dirty="0" smtClean="0"/>
-              <a:t>측정해 </a:t>
-            </a:r>
-            <a:r>
-              <a:rPr lang="ko-KR" altLang="en-US" sz="2000" b="1" dirty="0" err="1" smtClean="0"/>
-              <a:t>스마트폰</a:t>
-            </a:r>
-            <a:r>
-              <a:rPr lang="ko-KR" altLang="en-US" sz="2000" b="1" dirty="0" smtClean="0"/>
-              <a:t> </a:t>
-            </a:r>
-            <a:r>
-              <a:rPr lang="ko-KR" altLang="en-US" sz="2000" b="1" dirty="0" err="1" smtClean="0"/>
-              <a:t>어플로</a:t>
-            </a:r>
-            <a:r>
-              <a:rPr lang="ko-KR" altLang="en-US" sz="2000" b="1" dirty="0" smtClean="0"/>
-              <a:t> </a:t>
-            </a:r>
-            <a:endParaRPr lang="en-US" altLang="ko-KR" sz="2000" b="1" dirty="0" smtClean="0"/>
-          </a:p>
-          <a:p>
-            <a:r>
-              <a:rPr lang="ko-KR" altLang="en-US" sz="2000" b="1" dirty="0" smtClean="0"/>
-              <a:t>전송</a:t>
-            </a:r>
-            <a:endParaRPr lang="en-US" altLang="ko-KR" sz="2000" b="1" dirty="0" smtClean="0"/>
-          </a:p>
-        </p:txBody>
-      </p:sp>
-      <p:pic>
-        <p:nvPicPr>
-          <p:cNvPr id="4" name="그림 3"/>
-          <p:cNvPicPr preferRelativeResize="0">
-            <a:picLocks/>
-          </p:cNvPicPr>
-          <p:nvPr/>
-        </p:nvPicPr>
-        <p:blipFill>
-          <a:blip r:embed="rId4">
-            <a:extLst>
-              <a:ext uri="{28A0092B-C50C-407E-A947-70E740481C1C}">
-                <a14:useLocalDpi xmlns:a14="http://schemas.microsoft.com/office/drawing/2010/main" val="0"/>
-              </a:ext>
-            </a:extLst>
-          </a:blip>
-          <a:stretch>
-            <a:fillRect/>
-          </a:stretch>
-        </p:blipFill>
-        <p:spPr>
-          <a:xfrm>
-            <a:off x="1063878" y="1582852"/>
-            <a:ext cx="5040000" cy="4190400"/>
-          </a:xfrm>
-          <a:prstGeom prst="rect">
-            <a:avLst/>
-          </a:prstGeom>
-        </p:spPr>
-      </p:pic>
-      <p:pic>
-        <p:nvPicPr>
-          <p:cNvPr id="5" name="그림 4"/>
-          <p:cNvPicPr preferRelativeResize="0">
-            <a:picLocks/>
-          </p:cNvPicPr>
-          <p:nvPr/>
-        </p:nvPicPr>
-        <p:blipFill>
-          <a:blip r:embed="rId5">
-            <a:extLst>
-              <a:ext uri="{28A0092B-C50C-407E-A947-70E740481C1C}">
-                <a14:useLocalDpi xmlns:a14="http://schemas.microsoft.com/office/drawing/2010/main" val="0"/>
-              </a:ext>
-            </a:extLst>
-          </a:blip>
-          <a:stretch>
-            <a:fillRect/>
-          </a:stretch>
-        </p:blipFill>
-        <p:spPr>
-          <a:xfrm>
-            <a:off x="1063878" y="1577945"/>
-            <a:ext cx="5040000" cy="4194000"/>
-          </a:xfrm>
-          <a:prstGeom prst="rect">
-            <a:avLst/>
-          </a:prstGeom>
-        </p:spPr>
-      </p:pic>
-      <p:pic>
-        <p:nvPicPr>
-          <p:cNvPr id="6" name="그림 5"/>
-          <p:cNvPicPr preferRelativeResize="0">
-            <a:picLocks/>
-          </p:cNvPicPr>
-          <p:nvPr/>
-        </p:nvPicPr>
-        <p:blipFill>
-          <a:blip r:embed="rId6">
-            <a:extLst>
-              <a:ext uri="{28A0092B-C50C-407E-A947-70E740481C1C}">
-                <a14:useLocalDpi xmlns:a14="http://schemas.microsoft.com/office/drawing/2010/main" val="0"/>
-              </a:ext>
-            </a:extLst>
-          </a:blip>
-          <a:stretch>
-            <a:fillRect/>
-          </a:stretch>
-        </p:blipFill>
-        <p:spPr>
-          <a:xfrm>
-            <a:off x="1063878" y="1582852"/>
-            <a:ext cx="5040000" cy="4190400"/>
+            <a:off x="1020471" y="1582852"/>
+            <a:ext cx="4680000" cy="3960000"/>
           </a:xfrm>
           <a:prstGeom prst="rect">
             <a:avLst/>
@@ -5067,7 +4865,7 @@
     </p:spTree>
     <p:extLst>
       <p:ext uri="{BB962C8B-B14F-4D97-AF65-F5344CB8AC3E}">
-        <p14:creationId xmlns:p14="http://schemas.microsoft.com/office/powerpoint/2010/main" val="3545739681"/>
+        <p14:creationId xmlns:p14="http://schemas.microsoft.com/office/powerpoint/2010/main" val="35374448"/>
       </p:ext>
     </p:extLst>
   </p:cSld>
@@ -5381,7 +5179,7 @@
         <p:spPr>
           <a:xfrm>
             <a:off x="4914341" y="5187211"/>
-            <a:ext cx="1274708" cy="400110"/>
+            <a:ext cx="3214341" cy="400110"/>
           </a:xfrm>
           <a:prstGeom prst="rect">
             <a:avLst/>
@@ -5396,7 +5194,19 @@
           <a:p>
             <a:r>
               <a:rPr lang="ko-KR" altLang="en-US" sz="2000" b="1" dirty="0" smtClean="0"/>
-              <a:t>기기 검색</a:t>
+              <a:t>브레이크 작동</a:t>
+            </a:r>
+            <a:r>
+              <a:rPr lang="en-US" altLang="ko-KR" sz="2000" b="1" dirty="0" smtClean="0"/>
+              <a:t>/</a:t>
+            </a:r>
+            <a:r>
+              <a:rPr lang="ko-KR" altLang="en-US" sz="2000" b="1" dirty="0" err="1" smtClean="0"/>
+              <a:t>미작동</a:t>
+            </a:r>
+            <a:r>
+              <a:rPr lang="ko-KR" altLang="en-US" sz="2000" b="1" dirty="0" smtClean="0"/>
+              <a:t> 구현</a:t>
             </a:r>
             <a:endParaRPr lang="ko-KR" altLang="en-US" sz="2000" b="1" dirty="0"/>
           </a:p>
@@ -6168,6 +5978,28 @@
           <a:bodyPr/>
           <a:lstStyle/>
           <a:p>
+            <a:pPr marL="342900" indent="-342900" algn="l">
+              <a:lnSpc>
+                <a:spcPct val="100000"/>
+              </a:lnSpc>
+              <a:buFont typeface="Arial" pitchFamily="34" charset="0"/>
+              <a:buChar char="•"/>
+            </a:pPr>
+            <a:r>
+              <a:rPr lang="ko-KR" altLang="en-US" sz="2400" dirty="0" smtClean="0">
+                <a:solidFill>
+                  <a:srgbClr val="333944"/>
+                </a:solidFill>
+              </a:rPr>
+              <a:t>현재 상용화된 유모차는 수동으로만 멈출 수 있어</a:t>
+            </a:r>
+            <a:endParaRPr lang="en-US" altLang="ko-KR" sz="2400" dirty="0" smtClean="0">
+              <a:solidFill>
+                <a:srgbClr val="333944"/>
+              </a:solidFill>
+            </a:endParaRPr>
+          </a:p>
+          <a:p>
             <a:pPr algn="l">
               <a:lnSpc>
                 <a:spcPct val="100000"/>
@@ -6179,7 +6011,23 @@
                   <a:srgbClr val="333944"/>
                 </a:solidFill>
               </a:rPr>
-              <a:t>현재 상용화된 유모차는 수동으로만 멈출 수 있어</a:t>
+              <a:t>    안전성이 </a:t>
+            </a:r>
+            <a:r>
+              <a:rPr lang="ko-KR" altLang="en-US" sz="2400" dirty="0" smtClean="0">
+                <a:solidFill>
+                  <a:srgbClr val="333944"/>
+                </a:solidFill>
+              </a:rPr>
+              <a:t>부족하여 아이의 안전성이 </a:t>
+            </a:r>
+            <a:r>
+              <a:rPr lang="ko-KR" altLang="en-US" sz="2400" dirty="0" smtClean="0">
+                <a:solidFill>
+                  <a:srgbClr val="333944"/>
+                </a:solidFill>
+              </a:rPr>
+              <a:t>우려된다</a:t>
             </a:r>
             <a:endParaRPr lang="en-US" altLang="ko-KR" sz="2400" dirty="0" smtClean="0">
               <a:solidFill>
@@ -6188,30 +6036,12 @@
             </a:endParaRPr>
           </a:p>
           <a:p>
-            <a:pPr algn="l">
+            <a:pPr marL="342900" indent="-342900" algn="l">
               <a:lnSpc>
                 <a:spcPct val="100000"/>
               </a:lnSpc>
-            </a:pPr>
-            <a:r>
-              <a:rPr lang="ko-KR" altLang="en-US" sz="2400" dirty="0" smtClean="0">
-                <a:solidFill>
-                  <a:srgbClr val="333944"/>
-                </a:solidFill>
-              </a:rPr>
-              <a:t>안전성이 부족하여 아이의 안전성이 우려됨</a:t>
-            </a:r>
-            <a:endParaRPr lang="en-US" altLang="ko-KR" sz="2400" dirty="0" smtClean="0">
-              <a:solidFill>
-                <a:srgbClr val="333944"/>
-              </a:solidFill>
-            </a:endParaRPr>
-          </a:p>
-          <a:p>
-            <a:pPr algn="l">
-              <a:lnSpc>
-                <a:spcPct val="100000"/>
-              </a:lnSpc>
+              <a:buFont typeface="Arial" pitchFamily="34" charset="0"/>
+              <a:buChar char="•"/>
             </a:pPr>
             <a:endParaRPr lang="en-US" altLang="ko-KR" sz="2400" dirty="0">
               <a:solidFill>
@@ -6220,10 +6050,12 @@
             </a:endParaRPr>
           </a:p>
           <a:p>
-            <a:pPr algn="l">
+            <a:pPr marL="342900" indent="-342900" algn="l">
               <a:lnSpc>
                 <a:spcPct val="100000"/>
               </a:lnSpc>
+              <a:buFont typeface="Arial" pitchFamily="34" charset="0"/>
+              <a:buChar char="•"/>
             </a:pPr>
             <a:r>
               <a:rPr lang="ko-KR" altLang="en-US" sz="2400" dirty="0" smtClean="0">
@@ -6295,35 +6127,29 @@
                   <a:srgbClr val="333944"/>
                 </a:solidFill>
               </a:rPr>
-              <a:t>편의를 꾀</a:t>
-            </a:r>
-            <a:r>
-              <a:rPr lang="ko-KR" altLang="en-US" sz="2400" dirty="0">
+              <a:t>편의를 </a:t>
+            </a:r>
+            <a:r>
+              <a:rPr lang="ko-KR" altLang="en-US" sz="2400" dirty="0" smtClean="0">
                 <a:solidFill>
                   <a:srgbClr val="333944"/>
                 </a:solidFill>
               </a:rPr>
-              <a:t>함</a:t>
-            </a:r>
-          </a:p>
-        </p:txBody>
-      </p:sp>
-      <p:sp>
-        <p:nvSpPr>
-          <p:cNvPr id="8" name="내용 개체 틀 7"/>
-          <p:cNvSpPr>
-            <a:spLocks noGrp="1"/>
-          </p:cNvSpPr>
-          <p:nvPr>
-            <p:ph idx="12"/>
-          </p:nvPr>
-        </p:nvSpPr>
-        <p:spPr/>
-        <p:txBody>
-          <a:bodyPr/>
-          <a:lstStyle/>
-          <a:p>
-            <a:endParaRPr lang="ko-KR" altLang="en-US" b="1" dirty="0"/>
+              <a:t>유도하였다</a:t>
+            </a:r>
+            <a:r>
+              <a:rPr lang="en-US" altLang="ko-KR" sz="2400" dirty="0" smtClean="0">
+                <a:solidFill>
+                  <a:srgbClr val="333944"/>
+                </a:solidFill>
+              </a:rPr>
+              <a:t>.</a:t>
+            </a:r>
+            <a:endParaRPr lang="ko-KR" altLang="en-US" sz="2400" dirty="0">
+              <a:solidFill>
+                <a:srgbClr val="333944"/>
+              </a:solidFill>
+            </a:endParaRPr>
           </a:p>
         </p:txBody>
       </p:sp>
@@ -6560,7 +6386,24 @@
                 <a:latin typeface="+mj-ea"/>
                 <a:ea typeface="+mj-ea"/>
               </a:rPr>
-              <a:t>개의 초음파 센서 </a:t>
+              <a:t>개의 초음파 </a:t>
+            </a:r>
+            <a:r>
+              <a:rPr lang="ko-KR" altLang="en-US" sz="1600" b="1" dirty="0" smtClean="0">
+                <a:ln>
+                  <a:solidFill>
+                    <a:srgbClr val="333944">
+                      <a:alpha val="0"/>
+                    </a:srgbClr>
+                  </a:solidFill>
+                </a:ln>
+                <a:solidFill>
+                  <a:srgbClr val="333944"/>
+                </a:solidFill>
+                <a:latin typeface="+mj-ea"/>
+                <a:ea typeface="+mj-ea"/>
+              </a:rPr>
+              <a:t>센서로 </a:t>
             </a:r>
             <a:r>
               <a:rPr lang="en-US" altLang="ko-KR" sz="1600" b="1" dirty="0" smtClean="0">
@@ -6662,7 +6505,24 @@
                 <a:latin typeface="+mj-ea"/>
                 <a:ea typeface="+mj-ea"/>
               </a:rPr>
-              <a:t> 작동</a:t>
+              <a:t> </a:t>
+            </a:r>
+            <a:r>
+              <a:rPr lang="ko-KR" altLang="en-US" sz="1600" b="1" dirty="0" smtClean="0">
+                <a:ln>
+                  <a:solidFill>
+                    <a:srgbClr val="333944">
+                      <a:alpha val="0"/>
+                    </a:srgbClr>
+                  </a:solidFill>
+                </a:ln>
+                <a:solidFill>
+                  <a:srgbClr val="333944"/>
+                </a:solidFill>
+                <a:latin typeface="+mj-ea"/>
+                <a:ea typeface="+mj-ea"/>
+              </a:rPr>
+              <a:t>작동한다</a:t>
             </a:r>
             <a:r>
               <a:rPr lang="en-US" altLang="ko-KR" sz="1600" b="1" dirty="0" smtClean="0">
@@ -6679,41 +6539,7 @@
                 <a:latin typeface="+mj-ea"/>
                 <a:ea typeface="+mj-ea"/>
               </a:rPr>
-              <a:t>(</a:t>
-            </a:r>
-            <a:r>
-              <a:rPr lang="ko-KR" altLang="en-US" sz="1600" b="1" dirty="0" smtClean="0">
-                <a:ln>
-                  <a:solidFill>
-                    <a:srgbClr val="333944">
-                      <a:alpha val="0"/>
-                    </a:srgbClr>
-                  </a:solidFill>
-                </a:ln>
-                <a:solidFill>
-                  <a:srgbClr val="333944"/>
-                </a:solidFill>
-                <a:latin typeface="+mj-ea"/>
-                <a:ea typeface="+mj-ea"/>
-              </a:rPr>
-              <a:t>부품 고장으로 브레이크 구현 실패</a:t>
-            </a:r>
-            <a:r>
-              <a:rPr lang="en-US" altLang="ko-KR" sz="1600" b="1" dirty="0" smtClean="0">
-                <a:ln>
-                  <a:solidFill>
-                    <a:srgbClr val="333944">
-                      <a:alpha val="0"/>
-                    </a:srgbClr>
-                  </a:solidFill>
-                </a:ln>
-                <a:solidFill>
-                  <a:srgbClr val="333944"/>
-                </a:solidFill>
-                <a:latin typeface="+mj-ea"/>
-                <a:ea typeface="+mj-ea"/>
-              </a:rPr>
-              <a:t>)</a:t>
+              <a:t>.</a:t>
             </a:r>
             <a:endParaRPr lang="ko-KR" altLang="en-US" sz="1600" b="1" dirty="0">
               <a:ln>
@@ -7321,7 +7147,41 @@
                 <a:latin typeface="+mj-ea"/>
                 <a:ea typeface="+mj-ea"/>
               </a:rPr>
-              <a:t>바퀴에 부착한 리드 스위치로 유모차의 속도를 측정하여 일정 속도 초과 시 브레이크 자동으로 작동</a:t>
+              <a:t>바퀴에 부착한 리드 스위치로 유모차의 속도를 측정하여 일정 속도 초과 시 </a:t>
+            </a:r>
+            <a:r>
+              <a:rPr lang="ko-KR" altLang="en-US" sz="1600" b="1" dirty="0" smtClean="0">
+                <a:ln>
+                  <a:solidFill>
+                    <a:srgbClr val="333944">
+                      <a:alpha val="0"/>
+                    </a:srgbClr>
+                  </a:solidFill>
+                </a:ln>
+                <a:solidFill>
+                  <a:srgbClr val="333944"/>
+                </a:solidFill>
+                <a:latin typeface="+mj-ea"/>
+                <a:ea typeface="+mj-ea"/>
+              </a:rPr>
+              <a:t>브레이크가 </a:t>
+            </a:r>
+            <a:r>
+              <a:rPr lang="ko-KR" altLang="en-US" sz="1600" b="1" dirty="0" smtClean="0">
+                <a:ln>
+                  <a:solidFill>
+                    <a:srgbClr val="333944">
+                      <a:alpha val="0"/>
+                    </a:srgbClr>
+                  </a:solidFill>
+                </a:ln>
+                <a:solidFill>
+                  <a:srgbClr val="333944"/>
+                </a:solidFill>
+                <a:latin typeface="+mj-ea"/>
+                <a:ea typeface="+mj-ea"/>
+              </a:rPr>
+              <a:t>자동으로 작동된다</a:t>
             </a:r>
             <a:endParaRPr lang="ko-KR" altLang="en-US" sz="1600" b="1" dirty="0">
               <a:ln>
@@ -7960,7 +7820,109 @@
                   <a:latin typeface="+mj-ea"/>
                   <a:ea typeface="+mj-ea"/>
                 </a:rPr>
-                <a:t> 받아옴</a:t>
+                <a:t> </a:t>
+              </a:r>
+              <a:r>
+                <a:rPr lang="ko-KR" altLang="en-US" sz="2000" b="1" dirty="0" smtClean="0">
+                  <a:ln>
+                    <a:solidFill>
+                      <a:srgbClr val="333944">
+                        <a:alpha val="0"/>
+                      </a:srgbClr>
+                    </a:solidFill>
+                  </a:ln>
+                  <a:solidFill>
+                    <a:srgbClr val="333944"/>
+                  </a:solidFill>
+                  <a:latin typeface="+mj-ea"/>
+                  <a:ea typeface="+mj-ea"/>
+                </a:rPr>
+                <a:t>받아오며 초음파 센서의 탐지거리가 </a:t>
+              </a:r>
+              <a:r>
+                <a:rPr lang="ko-KR" altLang="en-US" sz="2000" b="1" dirty="0" err="1" smtClean="0">
+                  <a:ln>
+                    <a:solidFill>
+                      <a:srgbClr val="333944">
+                        <a:alpha val="0"/>
+                      </a:srgbClr>
+                    </a:solidFill>
+                  </a:ln>
+                  <a:solidFill>
+                    <a:srgbClr val="333944"/>
+                  </a:solidFill>
+                  <a:latin typeface="+mj-ea"/>
+                  <a:ea typeface="+mj-ea"/>
+                </a:rPr>
+                <a:t>제데로</a:t>
+              </a:r>
+              <a:r>
+                <a:rPr lang="ko-KR" altLang="en-US" sz="2000" b="1" dirty="0" smtClean="0">
+                  <a:ln>
+                    <a:solidFill>
+                      <a:srgbClr val="333944">
+                        <a:alpha val="0"/>
+                      </a:srgbClr>
+                    </a:solidFill>
+                  </a:ln>
+                  <a:solidFill>
+                    <a:srgbClr val="333944"/>
+                  </a:solidFill>
+                  <a:latin typeface="+mj-ea"/>
+                  <a:ea typeface="+mj-ea"/>
+                </a:rPr>
+                <a:t> 작동하고 있는지 확인할 수 있다</a:t>
+              </a:r>
+              <a:r>
+                <a:rPr lang="en-US" altLang="ko-KR" sz="2000" b="1" dirty="0" smtClean="0">
+                  <a:ln>
+                    <a:solidFill>
+                      <a:srgbClr val="333944">
+                        <a:alpha val="0"/>
+                      </a:srgbClr>
+                    </a:solidFill>
+                  </a:ln>
+                  <a:solidFill>
+                    <a:srgbClr val="333944"/>
+                  </a:solidFill>
+                  <a:latin typeface="+mj-ea"/>
+                  <a:ea typeface="+mj-ea"/>
+                </a:rPr>
+                <a:t>. </a:t>
+              </a:r>
+              <a:r>
+                <a:rPr lang="ko-KR" altLang="en-US" sz="2000" b="1" dirty="0" smtClean="0">
+                  <a:ln>
+                    <a:solidFill>
+                      <a:srgbClr val="333944">
+                        <a:alpha val="0"/>
+                      </a:srgbClr>
+                    </a:solidFill>
+                  </a:ln>
+                  <a:solidFill>
+                    <a:srgbClr val="333944"/>
+                  </a:solidFill>
+                  <a:latin typeface="+mj-ea"/>
+                  <a:ea typeface="+mj-ea"/>
+                </a:rPr>
+                <a:t>또한 브레이크가 잘 작동되는지 시험해볼 수 있으며 브레이크가 작동되었을 경우 브레이크를 해제할 수 있다</a:t>
+              </a:r>
+              <a:r>
+                <a:rPr lang="en-US" altLang="ko-KR" sz="2000" b="1" dirty="0" smtClean="0">
+                  <a:ln>
+                    <a:solidFill>
+                      <a:srgbClr val="333944">
+                        <a:alpha val="0"/>
+                      </a:srgbClr>
+                    </a:solidFill>
+                  </a:ln>
+                  <a:solidFill>
+                    <a:srgbClr val="333944"/>
+                  </a:solidFill>
+                  <a:latin typeface="+mj-ea"/>
+                  <a:ea typeface="+mj-ea"/>
+                </a:rPr>
+                <a:t>.</a:t>
               </a:r>
               <a:endParaRPr lang="ko-KR" altLang="en-US" sz="2000" b="1" dirty="0">
                 <a:ln>
@@ -10503,8 +10465,8 @@
         </p:nvSpPr>
         <p:spPr>
           <a:xfrm>
-            <a:off x="6257877" y="1582852"/>
-            <a:ext cx="2097049" cy="461665"/>
+            <a:off x="5702387" y="1582852"/>
+            <a:ext cx="2093843" cy="830997"/>
           </a:xfrm>
           <a:prstGeom prst="rect">
             <a:avLst/>
@@ -10523,22 +10485,96 @@
             </a:r>
             <a:r>
               <a:rPr lang="ko-KR" altLang="en-US" sz="2400" b="1" dirty="0" smtClean="0"/>
-              <a:t> 모듈</a:t>
+              <a:t> </a:t>
+            </a:r>
+            <a:r>
+              <a:rPr lang="ko-KR" altLang="en-US" sz="2400" b="1" dirty="0" smtClean="0"/>
+              <a:t>모듈</a:t>
+            </a:r>
+            <a:endParaRPr lang="en-US" altLang="ko-KR" sz="2400" b="1" dirty="0" smtClean="0"/>
+          </a:p>
+          <a:p>
+            <a:r>
+              <a:rPr lang="en-US" altLang="ko-KR" sz="2400" b="1" dirty="0" smtClean="0"/>
+              <a:t>HC-06</a:t>
             </a:r>
             <a:endParaRPr lang="ko-KR" altLang="en-US" sz="2400" b="1" dirty="0"/>
+          </a:p>
+        </p:txBody>
+      </p:sp>
+      <p:sp>
+        <p:nvSpPr>
+          <p:cNvPr id="21" name="TextBox 20"/>
+          <p:cNvSpPr txBox="1"/>
+          <p:nvPr/>
+        </p:nvSpPr>
+        <p:spPr>
+          <a:xfrm>
+            <a:off x="5700471" y="2378079"/>
+            <a:ext cx="3528530" cy="1323439"/>
+          </a:xfrm>
+          <a:prstGeom prst="rect">
+            <a:avLst/>
+          </a:prstGeom>
+          <a:noFill/>
+        </p:spPr>
+        <p:txBody>
+          <a:bodyPr wrap="none" rtlCol="0">
+            <a:spAutoFit/>
+          </a:bodyPr>
+          <a:lstStyle/>
+          <a:p>
+            <a:r>
+              <a:rPr lang="ko-KR" altLang="en-US" sz="2000" b="1" dirty="0" smtClean="0"/>
+              <a:t>유모차 주머니 내부에 장착</a:t>
+            </a:r>
+            <a:endParaRPr lang="en-US" altLang="ko-KR" sz="2000" b="1" dirty="0" smtClean="0"/>
+          </a:p>
+          <a:p>
+            <a:endParaRPr lang="en-US" altLang="ko-KR" sz="2000" b="1" dirty="0" smtClean="0"/>
+          </a:p>
+          <a:p>
+            <a:r>
+              <a:rPr lang="ko-KR" altLang="en-US" sz="2000" b="1" dirty="0" err="1" smtClean="0"/>
+              <a:t>아두이노</a:t>
+            </a:r>
+            <a:r>
+              <a:rPr lang="ko-KR" altLang="en-US" sz="2000" b="1" dirty="0" smtClean="0"/>
+              <a:t> 보드와 </a:t>
+            </a:r>
+            <a:r>
+              <a:rPr lang="ko-KR" altLang="en-US" sz="2000" b="1" dirty="0" err="1" smtClean="0"/>
+              <a:t>스마트폰</a:t>
+            </a:r>
+            <a:endParaRPr lang="en-US" altLang="ko-KR" sz="2000" b="1" dirty="0" smtClean="0"/>
+          </a:p>
+          <a:p>
+            <a:r>
+              <a:rPr lang="ko-KR" altLang="en-US" sz="2000" b="1" dirty="0" err="1" smtClean="0"/>
+              <a:t>어플간에</a:t>
+            </a:r>
+            <a:r>
+              <a:rPr lang="ko-KR" altLang="en-US" sz="2000" b="1" dirty="0" smtClean="0"/>
+              <a:t> 정보를 송수신 한다</a:t>
+            </a:r>
+            <a:r>
+              <a:rPr lang="en-US" altLang="ko-KR" sz="2000" b="1" dirty="0" smtClean="0"/>
+              <a:t>.</a:t>
+            </a:r>
+            <a:endParaRPr lang="en-US" altLang="ko-KR" sz="2000" b="1" dirty="0" smtClean="0"/>
           </a:p>
         </p:txBody>
       </p:sp>
       <p:pic>
         <p:nvPicPr>
-          <p:cNvPr id="3" name="그림 2"/>
-          <p:cNvPicPr>
-            <a:picLocks noChangeAspect="1"/>
+          <p:cNvPr id="7" name="그림 6"/>
+          <p:cNvPicPr preferRelativeResize="0">
+            <a:picLocks/>
           </p:cNvPicPr>
           <p:nvPr/>
         </p:nvPicPr>
         <p:blipFill>
-          <a:blip r:embed="rId3">
+          <a:blip r:embed="rId3" cstate="print">
             <a:extLst>
               <a:ext uri="{28A0092B-C50C-407E-A947-70E740481C1C}">
                 <a14:useLocalDpi xmlns:a14="http://schemas.microsoft.com/office/drawing/2010/main" val="0"/>
@@ -10551,97 +10587,8 @@
         </p:blipFill>
         <p:spPr>
           <a:xfrm>
-            <a:off x="1063878" y="1577945"/>
-            <a:ext cx="5038255" cy="4191676"/>
-          </a:xfrm>
-          <a:prstGeom prst="rect">
-            <a:avLst/>
-          </a:prstGeom>
-        </p:spPr>
-      </p:pic>
-      <p:sp>
-        <p:nvSpPr>
-          <p:cNvPr id="21" name="TextBox 20"/>
-          <p:cNvSpPr txBox="1"/>
-          <p:nvPr/>
-        </p:nvSpPr>
-        <p:spPr>
-          <a:xfrm>
-            <a:off x="6102133" y="2378079"/>
-            <a:ext cx="3174267" cy="1323439"/>
-          </a:xfrm>
-          <a:prstGeom prst="rect">
-            <a:avLst/>
-          </a:prstGeom>
-          <a:noFill/>
-        </p:spPr>
-        <p:txBody>
-          <a:bodyPr wrap="none" rtlCol="0">
-            <a:spAutoFit/>
-          </a:bodyPr>
-          <a:lstStyle/>
-          <a:p>
-            <a:r>
-              <a:rPr lang="ko-KR" altLang="en-US" sz="2000" b="1" dirty="0" smtClean="0"/>
-              <a:t>유모차 주머니 내부에 장착</a:t>
-            </a:r>
-            <a:endParaRPr lang="en-US" altLang="ko-KR" sz="2000" b="1" dirty="0" smtClean="0"/>
-          </a:p>
-          <a:p>
-            <a:endParaRPr lang="en-US" altLang="ko-KR" sz="2000" b="1" dirty="0" smtClean="0"/>
-          </a:p>
-          <a:p>
-            <a:r>
-              <a:rPr lang="ko-KR" altLang="en-US" sz="2000" b="1" dirty="0" err="1" smtClean="0"/>
-              <a:t>아두이노</a:t>
-            </a:r>
-            <a:r>
-              <a:rPr lang="ko-KR" altLang="en-US" sz="2000" b="1" dirty="0" smtClean="0"/>
-              <a:t> 보드와 </a:t>
-            </a:r>
-            <a:r>
-              <a:rPr lang="ko-KR" altLang="en-US" sz="2000" b="1" dirty="0" err="1" smtClean="0"/>
-              <a:t>스마트폰</a:t>
-            </a:r>
-            <a:endParaRPr lang="en-US" altLang="ko-KR" sz="2000" b="1" dirty="0" smtClean="0"/>
-          </a:p>
-          <a:p>
-            <a:r>
-              <a:rPr lang="ko-KR" altLang="en-US" sz="2000" b="1" dirty="0" err="1" smtClean="0"/>
-              <a:t>어플의</a:t>
-            </a:r>
-            <a:r>
-              <a:rPr lang="ko-KR" altLang="en-US" sz="2000" b="1" dirty="0" smtClean="0"/>
-              <a:t> 정보를 송수신함</a:t>
-            </a:r>
-            <a:endParaRPr lang="en-US" altLang="ko-KR" sz="2000" b="1" dirty="0" smtClean="0"/>
-          </a:p>
-        </p:txBody>
-      </p:sp>
-      <p:pic>
-        <p:nvPicPr>
-          <p:cNvPr id="7" name="그림 6"/>
-          <p:cNvPicPr preferRelativeResize="0">
-            <a:picLocks/>
-          </p:cNvPicPr>
-          <p:nvPr/>
-        </p:nvPicPr>
-        <p:blipFill>
-          <a:blip r:embed="rId4" cstate="print">
-            <a:extLst>
-              <a:ext uri="{28A0092B-C50C-407E-A947-70E740481C1C}">
-                <a14:useLocalDpi xmlns:a14="http://schemas.microsoft.com/office/drawing/2010/main" val="0"/>
-              </a:ext>
-            </a:extLst>
-          </a:blip>
-          <a:stretch>
-            <a:fillRect/>
-          </a:stretch>
-        </p:blipFill>
-        <p:spPr>
-          <a:xfrm>
-            <a:off x="1063006" y="1579221"/>
-            <a:ext cx="5040000" cy="4190400"/>
+            <a:off x="994638" y="1582852"/>
+            <a:ext cx="4680000" cy="3960000"/>
           </a:xfrm>
           <a:prstGeom prst="rect">
             <a:avLst/>
@@ -10819,8 +10766,8 @@
         </p:nvSpPr>
         <p:spPr>
           <a:xfrm>
-            <a:off x="6257877" y="1582852"/>
-            <a:ext cx="1832553" cy="461665"/>
+            <a:off x="5702387" y="1582852"/>
+            <a:ext cx="1792478" cy="830997"/>
           </a:xfrm>
           <a:prstGeom prst="rect">
             <a:avLst/>
@@ -10834,18 +10781,131 @@
           <a:lstStyle/>
           <a:p>
             <a:r>
+              <a:rPr lang="ko-KR" altLang="en-US" sz="2400" b="1" dirty="0"/>
+              <a:t>초음파 </a:t>
+            </a:r>
+            <a:r>
               <a:rPr lang="ko-KR" altLang="en-US" sz="2400" b="1" dirty="0" smtClean="0"/>
-              <a:t>초음파 센서</a:t>
+              <a:t>센서</a:t>
+            </a:r>
+            <a:endParaRPr lang="en-US" altLang="ko-KR" sz="2400" b="1" dirty="0" smtClean="0"/>
+          </a:p>
+          <a:p>
+            <a:r>
+              <a:rPr lang="en-US" altLang="ko-KR" sz="2400" b="1" dirty="0" smtClean="0"/>
+              <a:t>HC-SR04</a:t>
             </a:r>
             <a:endParaRPr lang="ko-KR" altLang="en-US" sz="2400" b="1" dirty="0"/>
+          </a:p>
+        </p:txBody>
+      </p:sp>
+      <p:sp>
+        <p:nvSpPr>
+          <p:cNvPr id="21" name="TextBox 20"/>
+          <p:cNvSpPr txBox="1"/>
+          <p:nvPr/>
+        </p:nvSpPr>
+        <p:spPr>
+          <a:xfrm>
+            <a:off x="5700471" y="2378079"/>
+            <a:ext cx="3538148" cy="2554545"/>
+          </a:xfrm>
+          <a:prstGeom prst="rect">
+            <a:avLst/>
+          </a:prstGeom>
+          <a:noFill/>
+        </p:spPr>
+        <p:txBody>
+          <a:bodyPr wrap="none" rtlCol="0">
+            <a:spAutoFit/>
+          </a:bodyPr>
+          <a:lstStyle/>
+          <a:p>
+            <a:r>
+              <a:rPr lang="ko-KR" altLang="en-US" sz="2000" b="1" dirty="0"/>
+              <a:t>유모차 전방 프레임에</a:t>
+            </a:r>
+            <a:endParaRPr lang="en-US" altLang="ko-KR" sz="2000" b="1" dirty="0"/>
+          </a:p>
+          <a:p>
+            <a:r>
+              <a:rPr lang="en-US" altLang="ko-KR" sz="2000" b="1" dirty="0"/>
+              <a:t>2</a:t>
+            </a:r>
+            <a:r>
+              <a:rPr lang="ko-KR" altLang="en-US" sz="2000" b="1" dirty="0"/>
+              <a:t>개 </a:t>
+            </a:r>
+            <a:r>
+              <a:rPr lang="ko-KR" altLang="en-US" sz="2000" b="1" dirty="0" smtClean="0"/>
+              <a:t>장착 하였다</a:t>
+            </a:r>
+            <a:r>
+              <a:rPr lang="en-US" altLang="ko-KR" sz="2000" b="1" dirty="0" smtClean="0"/>
+              <a:t>.</a:t>
+            </a:r>
+            <a:endParaRPr lang="en-US" altLang="ko-KR" sz="2000" b="1" dirty="0"/>
+          </a:p>
+          <a:p>
+            <a:endParaRPr lang="en-US" altLang="ko-KR" sz="2000" b="1" dirty="0"/>
+          </a:p>
+          <a:p>
+            <a:r>
+              <a:rPr lang="ko-KR" altLang="en-US" sz="2000" b="1" dirty="0" smtClean="0"/>
+              <a:t>전방의 물체와 유모차 사이의</a:t>
+            </a:r>
+            <a:endParaRPr lang="en-US" altLang="ko-KR" sz="2000" b="1" dirty="0" smtClean="0"/>
+          </a:p>
+          <a:p>
+            <a:r>
+              <a:rPr lang="ko-KR" altLang="en-US" sz="2000" b="1" dirty="0" smtClean="0"/>
+              <a:t>거리를 측정해준다</a:t>
+            </a:r>
+            <a:r>
+              <a:rPr lang="en-US" altLang="ko-KR" sz="2000" b="1" dirty="0" smtClean="0"/>
+              <a:t>.</a:t>
+            </a:r>
+          </a:p>
+          <a:p>
+            <a:r>
+              <a:rPr lang="ko-KR" altLang="en-US" sz="2000" b="1" dirty="0" smtClean="0"/>
+              <a:t>전방에 초음파를 보내 다시 돌</a:t>
+            </a:r>
+            <a:endParaRPr lang="en-US" altLang="ko-KR" sz="2000" b="1" dirty="0" smtClean="0"/>
+          </a:p>
+          <a:p>
+            <a:r>
+              <a:rPr lang="ko-KR" altLang="en-US" sz="2000" b="1" dirty="0" err="1" smtClean="0"/>
+              <a:t>아오는</a:t>
+            </a:r>
+            <a:r>
+              <a:rPr lang="ko-KR" altLang="en-US" sz="2000" b="1" dirty="0" smtClean="0"/>
+              <a:t> 데 걸리는 시간을 거리</a:t>
+            </a:r>
+            <a:endParaRPr lang="en-US" altLang="ko-KR" sz="2000" b="1" dirty="0" smtClean="0"/>
+          </a:p>
+          <a:p>
+            <a:r>
+              <a:rPr lang="ko-KR" altLang="en-US" sz="2000" b="1" dirty="0" err="1" smtClean="0"/>
+              <a:t>로</a:t>
+            </a:r>
+            <a:r>
+              <a:rPr lang="ko-KR" altLang="en-US" sz="2000" b="1" dirty="0" smtClean="0"/>
+              <a:t> 변환하여 사용한다</a:t>
+            </a:r>
+            <a:r>
+              <a:rPr lang="en-US" altLang="ko-KR" sz="2000" b="1" dirty="0" smtClean="0"/>
+              <a:t>.</a:t>
+            </a:r>
+            <a:endParaRPr lang="en-US" altLang="ko-KR" sz="2000" b="1" dirty="0"/>
           </a:p>
         </p:txBody>
       </p:sp>
       <p:pic>
         <p:nvPicPr>
-          <p:cNvPr id="3" name="그림 2"/>
+          <p:cNvPr id="9" name="그림 8"/>
           <p:cNvPicPr>
-            <a:picLocks noChangeAspect="1"/>
+            <a:picLocks/>
           </p:cNvPicPr>
           <p:nvPr/>
         </p:nvPicPr>
@@ -10863,136 +10923,18 @@
         </p:blipFill>
         <p:spPr>
           <a:xfrm>
-            <a:off x="1063878" y="1577945"/>
-            <a:ext cx="5038255" cy="4191676"/>
+            <a:off x="994637" y="1582852"/>
+            <a:ext cx="4680000" cy="3960000"/>
           </a:xfrm>
           <a:prstGeom prst="rect">
             <a:avLst/>
           </a:prstGeom>
         </p:spPr>
       </p:pic>
-      <p:sp>
-        <p:nvSpPr>
-          <p:cNvPr id="21" name="TextBox 20"/>
-          <p:cNvSpPr txBox="1"/>
-          <p:nvPr/>
-        </p:nvSpPr>
-        <p:spPr>
-          <a:xfrm>
-            <a:off x="6280323" y="2378079"/>
-            <a:ext cx="3018775" cy="2862322"/>
-          </a:xfrm>
-          <a:prstGeom prst="rect">
-            <a:avLst/>
-          </a:prstGeom>
-          <a:noFill/>
-        </p:spPr>
-        <p:txBody>
-          <a:bodyPr wrap="none" rtlCol="0">
-            <a:spAutoFit/>
-          </a:bodyPr>
-          <a:lstStyle/>
-          <a:p>
-            <a:r>
-              <a:rPr lang="ko-KR" altLang="en-US" sz="2000" b="1" dirty="0" smtClean="0"/>
-              <a:t>유모차 전방 프레임에</a:t>
-            </a:r>
-            <a:endParaRPr lang="en-US" altLang="ko-KR" sz="2000" b="1" dirty="0" smtClean="0"/>
-          </a:p>
-          <a:p>
-            <a:r>
-              <a:rPr lang="en-US" altLang="ko-KR" sz="2000" b="1" dirty="0" smtClean="0"/>
-              <a:t>2</a:t>
-            </a:r>
-            <a:r>
-              <a:rPr lang="ko-KR" altLang="en-US" sz="2000" b="1" dirty="0" smtClean="0"/>
-              <a:t>개 장착</a:t>
-            </a:r>
-            <a:endParaRPr lang="en-US" altLang="ko-KR" sz="2000" b="1" dirty="0" smtClean="0"/>
-          </a:p>
-          <a:p>
-            <a:endParaRPr lang="en-US" altLang="ko-KR" sz="2000" b="1" dirty="0"/>
-          </a:p>
-          <a:p>
-            <a:r>
-              <a:rPr lang="ko-KR" altLang="en-US" sz="2000" b="1" dirty="0" smtClean="0"/>
-              <a:t>평소 </a:t>
-            </a:r>
-            <a:r>
-              <a:rPr lang="ko-KR" altLang="en-US" sz="2000" b="1" dirty="0" err="1" smtClean="0"/>
-              <a:t>블루투스</a:t>
-            </a:r>
-            <a:r>
-              <a:rPr lang="ko-KR" altLang="en-US" sz="2000" b="1" dirty="0" smtClean="0"/>
-              <a:t> 모듈을 </a:t>
-            </a:r>
-            <a:endParaRPr lang="en-US" altLang="ko-KR" sz="2000" b="1" dirty="0" smtClean="0"/>
-          </a:p>
-          <a:p>
-            <a:r>
-              <a:rPr lang="ko-KR" altLang="en-US" sz="2000" b="1" dirty="0" smtClean="0"/>
-              <a:t>통하여 </a:t>
-            </a:r>
-            <a:r>
-              <a:rPr lang="ko-KR" altLang="en-US" sz="2000" b="1" dirty="0" err="1" smtClean="0"/>
-              <a:t>스마트폰</a:t>
-            </a:r>
-            <a:r>
-              <a:rPr lang="ko-KR" altLang="en-US" sz="2000" b="1" dirty="0" smtClean="0"/>
-              <a:t> </a:t>
-            </a:r>
-            <a:r>
-              <a:rPr lang="ko-KR" altLang="en-US" sz="2000" b="1" dirty="0" err="1" smtClean="0"/>
-              <a:t>어플에</a:t>
-            </a:r>
-            <a:r>
-              <a:rPr lang="ko-KR" altLang="en-US" sz="2000" b="1" dirty="0" smtClean="0"/>
-              <a:t> </a:t>
-            </a:r>
-            <a:endParaRPr lang="en-US" altLang="ko-KR" sz="2000" b="1" dirty="0" smtClean="0"/>
-          </a:p>
-          <a:p>
-            <a:r>
-              <a:rPr lang="ko-KR" altLang="en-US" sz="2000" b="1" dirty="0" smtClean="0"/>
-              <a:t>전방의 물체 거리 전달 </a:t>
-            </a:r>
-            <a:endParaRPr lang="en-US" altLang="ko-KR" sz="2000" b="1" dirty="0" smtClean="0"/>
-          </a:p>
-          <a:p>
-            <a:endParaRPr lang="en-US" altLang="ko-KR" sz="2000" b="1" dirty="0" smtClean="0"/>
-          </a:p>
-          <a:p>
-            <a:r>
-              <a:rPr lang="en-US" altLang="ko-KR" sz="2000" b="1" dirty="0" smtClean="0"/>
-              <a:t>50cm</a:t>
-            </a:r>
-            <a:r>
-              <a:rPr lang="ko-KR" altLang="en-US" sz="2000" b="1" dirty="0" smtClean="0"/>
-              <a:t>이내로 물체 접근</a:t>
-            </a:r>
-            <a:endParaRPr lang="en-US" altLang="ko-KR" sz="2000" b="1" dirty="0" smtClean="0"/>
-          </a:p>
-          <a:p>
-            <a:r>
-              <a:rPr lang="ko-KR" altLang="en-US" sz="2000" b="1" dirty="0" smtClean="0"/>
-              <a:t>시 </a:t>
-            </a:r>
-            <a:r>
-              <a:rPr lang="ko-KR" altLang="en-US" sz="2000" b="1" dirty="0" err="1" smtClean="0"/>
-              <a:t>피에조</a:t>
-            </a:r>
-            <a:r>
-              <a:rPr lang="ko-KR" altLang="en-US" sz="2000" b="1" dirty="0" smtClean="0"/>
-              <a:t> 스피커 작동</a:t>
-            </a:r>
-            <a:endParaRPr lang="ko-KR" altLang="en-US" sz="2000" b="1" dirty="0"/>
-          </a:p>
-        </p:txBody>
-      </p:sp>
     </p:spTree>
     <p:extLst>
       <p:ext uri="{BB962C8B-B14F-4D97-AF65-F5344CB8AC3E}">
-        <p14:creationId xmlns:p14="http://schemas.microsoft.com/office/powerpoint/2010/main" val="3292224737"/>
+        <p14:creationId xmlns:p14="http://schemas.microsoft.com/office/powerpoint/2010/main" val="4002784662"/>
       </p:ext>
     </p:extLst>
   </p:cSld>
@@ -11160,8 +11102,8 @@
         </p:nvSpPr>
         <p:spPr>
           <a:xfrm>
-            <a:off x="6257877" y="1582852"/>
-            <a:ext cx="2140330" cy="461665"/>
+            <a:off x="5702387" y="1582852"/>
+            <a:ext cx="2093843" cy="461665"/>
           </a:xfrm>
           <a:prstGeom prst="rect">
             <a:avLst/>
@@ -11175,22 +11117,122 @@
           <a:lstStyle/>
           <a:p>
             <a:r>
-              <a:rPr lang="ko-KR" altLang="en-US" sz="2400" b="1" dirty="0" err="1" smtClean="0"/>
+              <a:rPr lang="ko-KR" altLang="en-US" sz="2400" b="1" dirty="0" err="1"/>
               <a:t>피에조</a:t>
             </a:r>
             <a:r>
-              <a:rPr lang="ko-KR" altLang="en-US" sz="2400" b="1" dirty="0" smtClean="0"/>
+              <a:rPr lang="ko-KR" altLang="en-US" sz="2400" b="1" dirty="0"/>
               <a:t> 스피커</a:t>
             </a:r>
             <a:endParaRPr lang="ko-KR" altLang="en-US" sz="2400" b="1" dirty="0"/>
+          </a:p>
+        </p:txBody>
+      </p:sp>
+      <p:sp>
+        <p:nvSpPr>
+          <p:cNvPr id="21" name="TextBox 20"/>
+          <p:cNvSpPr txBox="1"/>
+          <p:nvPr/>
+        </p:nvSpPr>
+        <p:spPr>
+          <a:xfrm>
+            <a:off x="5700471" y="2378079"/>
+            <a:ext cx="3110147" cy="2246769"/>
+          </a:xfrm>
+          <a:prstGeom prst="rect">
+            <a:avLst/>
+          </a:prstGeom>
+          <a:noFill/>
+        </p:spPr>
+        <p:txBody>
+          <a:bodyPr wrap="none" rtlCol="0">
+            <a:spAutoFit/>
+          </a:bodyPr>
+          <a:lstStyle/>
+          <a:p>
+            <a:r>
+              <a:rPr lang="ko-KR" altLang="en-US" sz="2000" b="1" dirty="0"/>
+              <a:t>유모차 상단 후드에 </a:t>
+            </a:r>
+            <a:r>
+              <a:rPr lang="ko-KR" altLang="en-US" sz="2000" b="1" dirty="0" smtClean="0"/>
+              <a:t>장착</a:t>
+            </a:r>
+            <a:endParaRPr lang="en-US" altLang="ko-KR" sz="2000" b="1" dirty="0" smtClean="0"/>
+          </a:p>
+          <a:p>
+            <a:r>
+              <a:rPr lang="ko-KR" altLang="en-US" sz="2000" b="1" dirty="0" smtClean="0"/>
+              <a:t>하였다</a:t>
+            </a:r>
+            <a:r>
+              <a:rPr lang="en-US" altLang="ko-KR" sz="2000" b="1" dirty="0" smtClean="0"/>
+              <a:t>.</a:t>
+            </a:r>
+            <a:endParaRPr lang="en-US" altLang="ko-KR" sz="2000" b="1" dirty="0"/>
+          </a:p>
+          <a:p>
+            <a:endParaRPr lang="en-US" altLang="ko-KR" sz="2000" b="1" dirty="0"/>
+          </a:p>
+          <a:p>
+            <a:r>
+              <a:rPr lang="ko-KR" altLang="en-US" sz="2000" b="1" dirty="0"/>
+              <a:t>초음파 센서 </a:t>
+            </a:r>
+            <a:r>
+              <a:rPr lang="en-US" altLang="ko-KR" sz="2000" b="1" dirty="0"/>
+              <a:t>50cm</a:t>
+            </a:r>
+            <a:r>
+              <a:rPr lang="ko-KR" altLang="en-US" sz="2000" b="1" dirty="0"/>
+              <a:t>이내에</a:t>
+            </a:r>
+            <a:endParaRPr lang="en-US" altLang="ko-KR" sz="2000" b="1" dirty="0"/>
+          </a:p>
+          <a:p>
+            <a:r>
+              <a:rPr lang="ko-KR" altLang="en-US" sz="2000" b="1" dirty="0"/>
+              <a:t>물체 탐지 시 </a:t>
+            </a:r>
+            <a:r>
+              <a:rPr lang="en-US" altLang="ko-KR" sz="2000" b="1" dirty="0"/>
+              <a:t>3</a:t>
+            </a:r>
+            <a:r>
+              <a:rPr lang="ko-KR" altLang="en-US" sz="2000" b="1" dirty="0"/>
+              <a:t>초간 작동</a:t>
+            </a:r>
+            <a:endParaRPr lang="en-US" altLang="ko-KR" sz="2000" b="1" dirty="0"/>
+          </a:p>
+          <a:p>
+            <a:r>
+              <a:rPr lang="en-US" altLang="ko-KR" sz="2000" b="1" dirty="0"/>
+              <a:t>(50cm</a:t>
+            </a:r>
+            <a:r>
+              <a:rPr lang="ko-KR" altLang="en-US" sz="2000" b="1" dirty="0"/>
+              <a:t>이내에 계속 물체가</a:t>
+            </a:r>
+            <a:endParaRPr lang="en-US" altLang="ko-KR" sz="2000" b="1" dirty="0"/>
+          </a:p>
+          <a:p>
+            <a:r>
+              <a:rPr lang="ko-KR" altLang="en-US" sz="2000" b="1" dirty="0"/>
+              <a:t>탐지 될 시 반복</a:t>
+            </a:r>
+            <a:r>
+              <a:rPr lang="en-US" altLang="ko-KR" sz="2000" b="1" dirty="0"/>
+              <a:t>)</a:t>
+            </a:r>
+            <a:endParaRPr lang="ko-KR" altLang="en-US" sz="2000" b="1" dirty="0"/>
           </a:p>
         </p:txBody>
       </p:sp>
       <p:pic>
         <p:nvPicPr>
-          <p:cNvPr id="3" name="그림 2"/>
-          <p:cNvPicPr>
-            <a:picLocks noChangeAspect="1"/>
+          <p:cNvPr id="10" name="그림 9"/>
+          <p:cNvPicPr preferRelativeResize="0">
+            <a:picLocks/>
           </p:cNvPicPr>
           <p:nvPr/>
         </p:nvPicPr>
@@ -11208,123 +11250,8 @@
         </p:blipFill>
         <p:spPr>
           <a:xfrm>
-            <a:off x="1063878" y="1577945"/>
-            <a:ext cx="5038255" cy="4191676"/>
-          </a:xfrm>
-          <a:prstGeom prst="rect">
-            <a:avLst/>
-          </a:prstGeom>
-        </p:spPr>
-      </p:pic>
-      <p:sp>
-        <p:nvSpPr>
-          <p:cNvPr id="21" name="TextBox 20"/>
-          <p:cNvSpPr txBox="1"/>
-          <p:nvPr/>
-        </p:nvSpPr>
-        <p:spPr>
-          <a:xfrm>
-            <a:off x="6102133" y="2378079"/>
-            <a:ext cx="3167855" cy="1938992"/>
-          </a:xfrm>
-          <a:prstGeom prst="rect">
-            <a:avLst/>
-          </a:prstGeom>
-          <a:noFill/>
-        </p:spPr>
-        <p:txBody>
-          <a:bodyPr wrap="none" rtlCol="0">
-            <a:spAutoFit/>
-          </a:bodyPr>
-          <a:lstStyle/>
-          <a:p>
-            <a:r>
-              <a:rPr lang="ko-KR" altLang="en-US" sz="2000" b="1" dirty="0" smtClean="0"/>
-              <a:t>유모차 상단 후드에 장착</a:t>
-            </a:r>
-            <a:endParaRPr lang="en-US" altLang="ko-KR" sz="2000" b="1" dirty="0" smtClean="0"/>
-          </a:p>
-          <a:p>
-            <a:endParaRPr lang="en-US" altLang="ko-KR" sz="2000" b="1" dirty="0"/>
-          </a:p>
-          <a:p>
-            <a:r>
-              <a:rPr lang="ko-KR" altLang="en-US" sz="2000" b="1" dirty="0" smtClean="0"/>
-              <a:t>초음파 센서 </a:t>
-            </a:r>
-            <a:r>
-              <a:rPr lang="en-US" altLang="ko-KR" sz="2000" b="1" dirty="0" smtClean="0"/>
-              <a:t>50cm</a:t>
-            </a:r>
-            <a:r>
-              <a:rPr lang="ko-KR" altLang="en-US" sz="2000" b="1" dirty="0" smtClean="0"/>
-              <a:t>이내에</a:t>
-            </a:r>
-            <a:endParaRPr lang="en-US" altLang="ko-KR" sz="2000" b="1" dirty="0" smtClean="0"/>
-          </a:p>
-          <a:p>
-            <a:r>
-              <a:rPr lang="ko-KR" altLang="en-US" sz="2000" b="1" dirty="0" smtClean="0"/>
-              <a:t>물체 탐지 시 </a:t>
-            </a:r>
-            <a:r>
-              <a:rPr lang="en-US" altLang="ko-KR" sz="2000" b="1" dirty="0" smtClean="0"/>
-              <a:t>3</a:t>
-            </a:r>
-            <a:r>
-              <a:rPr lang="ko-KR" altLang="en-US" sz="2000" b="1" dirty="0" smtClean="0"/>
-              <a:t>초간 작동</a:t>
-            </a:r>
-            <a:endParaRPr lang="en-US" altLang="ko-KR" sz="2000" b="1" dirty="0" smtClean="0"/>
-          </a:p>
-          <a:p>
-            <a:r>
-              <a:rPr lang="en-US" altLang="ko-KR" sz="2000" b="1" dirty="0" smtClean="0"/>
-              <a:t>(50cm</a:t>
-            </a:r>
-            <a:r>
-              <a:rPr lang="ko-KR" altLang="en-US" sz="2000" b="1" dirty="0" smtClean="0"/>
-              <a:t>이내에 계속 물체가</a:t>
-            </a:r>
-            <a:endParaRPr lang="en-US" altLang="ko-KR" sz="2000" b="1" dirty="0" smtClean="0"/>
-          </a:p>
-          <a:p>
-            <a:r>
-              <a:rPr lang="ko-KR" altLang="en-US" sz="2000" b="1" dirty="0" smtClean="0"/>
-              <a:t>탐지 될 시 반복</a:t>
-            </a:r>
-            <a:r>
-              <a:rPr lang="en-US" altLang="ko-KR" sz="2000" b="1" dirty="0" smtClean="0"/>
-              <a:t>)</a:t>
-            </a:r>
-            <a:endParaRPr lang="ko-KR" altLang="en-US" sz="2000" b="1" dirty="0"/>
-          </a:p>
-        </p:txBody>
-      </p:sp>
-      <p:pic>
-        <p:nvPicPr>
-          <p:cNvPr id="4" name="그림 3"/>
-          <p:cNvPicPr preferRelativeResize="0">
-            <a:picLocks/>
-          </p:cNvPicPr>
-          <p:nvPr/>
-        </p:nvPicPr>
-        <p:blipFill>
-          <a:blip r:embed="rId4">
-            <a:extLst>
-              <a:ext uri="{28A0092B-C50C-407E-A947-70E740481C1C}">
-                <a14:useLocalDpi xmlns:a14="http://schemas.microsoft.com/office/drawing/2010/main" val="0"/>
-              </a:ext>
-            </a:extLst>
-          </a:blip>
-          <a:stretch>
-            <a:fillRect/>
-          </a:stretch>
-        </p:blipFill>
-        <p:spPr>
-          <a:xfrm>
-            <a:off x="1063878" y="1582852"/>
-            <a:ext cx="5040000" cy="4190400"/>
+            <a:off x="1020471" y="1586212"/>
+            <a:ext cx="4680000" cy="3960000"/>
           </a:xfrm>
           <a:prstGeom prst="rect">
             <a:avLst/>
@@ -11334,7 +11261,7 @@
     </p:spTree>
     <p:extLst>
       <p:ext uri="{BB962C8B-B14F-4D97-AF65-F5344CB8AC3E}">
-        <p14:creationId xmlns:p14="http://schemas.microsoft.com/office/powerpoint/2010/main" val="2747837415"/>
+        <p14:creationId xmlns:p14="http://schemas.microsoft.com/office/powerpoint/2010/main" val="2855560459"/>
       </p:ext>
     </p:extLst>
   </p:cSld>
@@ -11546,7 +11473,7 @@
   <a:extraClrSchemeLst/>
   <a:extLst>
     <a:ext uri="{05A4C25C-085E-4340-85A3-A5531E510DB2}">
-      <thm15:themeFamily xmlns:thm15="http://schemas.microsoft.com/office/thememl/2012/main" name="Office Theme" id="{62F939B6-93AF-4DB8-9C6B-D6C7DFDC589F}" vid="{4A3C46E8-61CC-4603-A589-7422A47A8E4A}"/>
+      <thm15:themeFamily xmlns:thm15="http://schemas.microsoft.com/office/thememl/2012/main" xmlns="" name="Office Theme" id="{62F939B6-93AF-4DB8-9C6B-D6C7DFDC589F}" vid="{4A3C46E8-61CC-4603-A589-7422A47A8E4A}"/>
     </a:ext>
   </a:extLst>
 </a:theme>
@@ -11807,7 +11734,7 @@
   <a:extraClrSchemeLst/>
   <a:extLst>
     <a:ext uri="{05A4C25C-085E-4340-85A3-A5531E510DB2}">
-      <thm15:themeFamily xmlns:thm15="http://schemas.microsoft.com/office/thememl/2012/main" name="Office Theme" id="{62F939B6-93AF-4DB8-9C6B-D6C7DFDC589F}" vid="{4A3C46E8-61CC-4603-A589-7422A47A8E4A}"/>
+      <thm15:themeFamily xmlns:thm15="http://schemas.microsoft.com/office/thememl/2012/main" xmlns="" name="Office Theme" id="{62F939B6-93AF-4DB8-9C6B-D6C7DFDC589F}" vid="{4A3C46E8-61CC-4603-A589-7422A47A8E4A}"/>
     </a:ext>
   </a:extLst>
 </a:theme>
@@ -12068,7 +11995,7 @@
   <a:extraClrSchemeLst/>
   <a:extLst>
     <a:ext uri="{05A4C25C-085E-4340-85A3-A5531E510DB2}">
-      <thm15:themeFamily xmlns:thm15="http://schemas.microsoft.com/office/thememl/2012/main" name="Office Theme" id="{62F939B6-93AF-4DB8-9C6B-D6C7DFDC589F}" vid="{4A3C46E8-61CC-4603-A589-7422A47A8E4A}"/>
+      <thm15:themeFamily xmlns:thm15="http://schemas.microsoft.com/office/thememl/2012/main" xmlns="" name="Office Theme" id="{62F939B6-93AF-4DB8-9C6B-D6C7DFDC589F}" vid="{4A3C46E8-61CC-4603-A589-7422A47A8E4A}"/>
     </a:ext>
   </a:extLst>
 </a:theme>
